--- a/MS-100T00A-ENU-PowerPoint_01.pptx
+++ b/MS-100T00A-ENU-PowerPoint_01.pptx
@@ -6,10 +6,10 @@
     <p:sldMasterId id="2147484642" r:id="rId5"/>
   </p:sldMasterIdLst>
   <p:notesMasterIdLst>
-    <p:notesMasterId r:id="rId64"/>
+    <p:notesMasterId r:id="rId62"/>
   </p:notesMasterIdLst>
   <p:handoutMasterIdLst>
-    <p:handoutMasterId r:id="rId65"/>
+    <p:handoutMasterId r:id="rId63"/>
   </p:handoutMasterIdLst>
   <p:sldIdLst>
     <p:sldId id="259" r:id="rId6"/>
@@ -65,11 +65,9 @@
     <p:sldId id="1755" r:id="rId56"/>
     <p:sldId id="1756" r:id="rId57"/>
     <p:sldId id="1757" r:id="rId58"/>
-    <p:sldId id="1769" r:id="rId59"/>
-    <p:sldId id="1776" r:id="rId60"/>
-    <p:sldId id="1771" r:id="rId61"/>
-    <p:sldId id="1772" r:id="rId62"/>
-    <p:sldId id="1532" r:id="rId63"/>
+    <p:sldId id="1771" r:id="rId59"/>
+    <p:sldId id="1772" r:id="rId60"/>
+    <p:sldId id="1532" r:id="rId61"/>
   </p:sldIdLst>
   <p:sldSz cx="12192000" cy="6858000"/>
   <p:notesSz cx="6858000" cy="9144000"/>
@@ -229,8 +227,6 @@
             <p14:sldId id="1755"/>
             <p14:sldId id="1756"/>
             <p14:sldId id="1757"/>
-            <p14:sldId id="1769"/>
-            <p14:sldId id="1776"/>
             <p14:sldId id="1771"/>
             <p14:sldId id="1772"/>
             <p14:sldId id="1532"/>
@@ -1067,7 +1063,7 @@
               <a:rPr lang="en-US" smtClean="0">
                 <a:latin typeface="Segoe UI" pitchFamily="34" charset="0"/>
               </a:rPr>
-              <a:t>8/27/2020 9:30 AM</a:t>
+              <a:t>8/27/2020 11:43 PM</a:t>
             </a:fld>
             <a:endParaRPr lang="en-US" dirty="0">
               <a:latin typeface="Segoe UI" pitchFamily="34" charset="0"/>
@@ -1345,7 +1341,7 @@
           <a:p>
             <a:fld id="{386CE63F-9E7F-4C04-9D0D-FCA25A8E9E86}" type="datetime8">
               <a:rPr lang="en-US" smtClean="0"/>
-              <a:t>8/27/2020 9:30 AM</a:t>
+              <a:t>8/27/2020 11:42 PM</a:t>
             </a:fld>
             <a:endParaRPr lang="en-US" dirty="0"/>
           </a:p>
@@ -1820,7 +1816,7 @@
           <a:p>
             <a:fld id="{9427A7F7-BB1E-479D-AFAA-B52F4D0C99F2}" type="datetime8">
               <a:rPr lang="en-US" smtClean="0"/>
-              <a:t>8/27/2020 9:30 AM</a:t>
+              <a:t>8/27/2020 11:42 PM</a:t>
             </a:fld>
             <a:endParaRPr lang="en-US" dirty="0"/>
           </a:p>
@@ -1985,7 +1981,7 @@
           <a:p>
             <a:fld id="{9427A7F7-BB1E-479D-AFAA-B52F4D0C99F2}" type="datetime8">
               <a:rPr lang="en-US" smtClean="0"/>
-              <a:t>8/27/2020 9:30 AM</a:t>
+              <a:t>8/27/2020 11:42 PM</a:t>
             </a:fld>
             <a:endParaRPr lang="en-US" dirty="0"/>
           </a:p>
@@ -2150,7 +2146,7 @@
           <a:p>
             <a:fld id="{9427A7F7-BB1E-479D-AFAA-B52F4D0C99F2}" type="datetime8">
               <a:rPr lang="en-US" smtClean="0"/>
-              <a:t>8/27/2020 9:30 AM</a:t>
+              <a:t>8/27/2020 11:42 PM</a:t>
             </a:fld>
             <a:endParaRPr lang="en-US" dirty="0"/>
           </a:p>
@@ -2361,7 +2357,7 @@
           <a:p>
             <a:fld id="{9427A7F7-BB1E-479D-AFAA-B52F4D0C99F2}" type="datetime8">
               <a:rPr lang="en-US" smtClean="0"/>
-              <a:t>8/27/2020 9:30 AM</a:t>
+              <a:t>8/27/2020 11:42 PM</a:t>
             </a:fld>
             <a:endParaRPr lang="en-US" dirty="0"/>
           </a:p>
@@ -2526,7 +2522,7 @@
           <a:p>
             <a:fld id="{E2F19A73-88F5-4B80-A929-CF8E66EE5449}" type="datetime8">
               <a:rPr lang="en-US" smtClean="0"/>
-              <a:t>8/27/2020 9:30 AM</a:t>
+              <a:t>8/27/2020 11:42 PM</a:t>
             </a:fld>
             <a:endParaRPr lang="en-US" dirty="0"/>
           </a:p>
@@ -2691,7 +2687,7 @@
           <a:p>
             <a:fld id="{9427A7F7-BB1E-479D-AFAA-B52F4D0C99F2}" type="datetime8">
               <a:rPr lang="en-US" smtClean="0"/>
-              <a:t>8/27/2020 9:30 AM</a:t>
+              <a:t>8/27/2020 11:42 PM</a:t>
             </a:fld>
             <a:endParaRPr lang="en-US" dirty="0"/>
           </a:p>
@@ -2856,7 +2852,7 @@
           <a:p>
             <a:fld id="{9427A7F7-BB1E-479D-AFAA-B52F4D0C99F2}" type="datetime8">
               <a:rPr lang="en-US" smtClean="0"/>
-              <a:t>8/27/2020 9:30 AM</a:t>
+              <a:t>8/27/2020 11:42 PM</a:t>
             </a:fld>
             <a:endParaRPr lang="en-US" dirty="0"/>
           </a:p>
@@ -3021,7 +3017,7 @@
           <a:p>
             <a:fld id="{9427A7F7-BB1E-479D-AFAA-B52F4D0C99F2}" type="datetime8">
               <a:rPr lang="en-US" smtClean="0"/>
-              <a:t>8/27/2020 9:30 AM</a:t>
+              <a:t>8/27/2020 11:42 PM</a:t>
             </a:fld>
             <a:endParaRPr lang="en-US" dirty="0"/>
           </a:p>
@@ -3186,7 +3182,7 @@
           <a:p>
             <a:fld id="{9427A7F7-BB1E-479D-AFAA-B52F4D0C99F2}" type="datetime8">
               <a:rPr lang="en-US" smtClean="0"/>
-              <a:t>8/27/2020 9:30 AM</a:t>
+              <a:t>8/27/2020 11:42 PM</a:t>
             </a:fld>
             <a:endParaRPr lang="en-US" dirty="0"/>
           </a:p>
@@ -3351,7 +3347,7 @@
           <a:p>
             <a:fld id="{9427A7F7-BB1E-479D-AFAA-B52F4D0C99F2}" type="datetime8">
               <a:rPr lang="en-US" smtClean="0"/>
-              <a:t>8/27/2020 9:30 AM</a:t>
+              <a:t>8/27/2020 11:42 PM</a:t>
             </a:fld>
             <a:endParaRPr lang="en-US" dirty="0"/>
           </a:p>
@@ -3681,7 +3677,7 @@
           <a:p>
             <a:fld id="{9427A7F7-BB1E-479D-AFAA-B52F4D0C99F2}" type="datetime8">
               <a:rPr lang="en-US" smtClean="0"/>
-              <a:t>8/27/2020 9:30 AM</a:t>
+              <a:t>8/27/2020 11:42 PM</a:t>
             </a:fld>
             <a:endParaRPr lang="en-US" dirty="0"/>
           </a:p>
@@ -3846,7 +3842,7 @@
           <a:p>
             <a:fld id="{9427A7F7-BB1E-479D-AFAA-B52F4D0C99F2}" type="datetime8">
               <a:rPr lang="en-US" smtClean="0"/>
-              <a:t>8/27/2020 9:30 AM</a:t>
+              <a:t>8/27/2020 11:42 PM</a:t>
             </a:fld>
             <a:endParaRPr lang="en-US" dirty="0"/>
           </a:p>
@@ -4011,7 +4007,7 @@
           <a:p>
             <a:fld id="{9427A7F7-BB1E-479D-AFAA-B52F4D0C99F2}" type="datetime8">
               <a:rPr lang="en-US" smtClean="0"/>
-              <a:t>8/27/2020 9:30 AM</a:t>
+              <a:t>8/27/2020 11:42 PM</a:t>
             </a:fld>
             <a:endParaRPr lang="en-US" dirty="0"/>
           </a:p>
@@ -4176,7 +4172,7 @@
           <a:p>
             <a:fld id="{9427A7F7-BB1E-479D-AFAA-B52F4D0C99F2}" type="datetime8">
               <a:rPr lang="en-US" smtClean="0"/>
-              <a:t>8/27/2020 9:30 AM</a:t>
+              <a:t>8/27/2020 11:42 PM</a:t>
             </a:fld>
             <a:endParaRPr lang="en-US" dirty="0"/>
           </a:p>
@@ -4388,7 +4384,7 @@
           <a:p>
             <a:fld id="{9427A7F7-BB1E-479D-AFAA-B52F4D0C99F2}" type="datetime8">
               <a:rPr lang="en-US" smtClean="0"/>
-              <a:t>8/27/2020 9:30 AM</a:t>
+              <a:t>8/27/2020 11:42 PM</a:t>
             </a:fld>
             <a:endParaRPr lang="en-US" dirty="0"/>
           </a:p>
@@ -4553,7 +4549,7 @@
           <a:p>
             <a:fld id="{E2F19A73-88F5-4B80-A929-CF8E66EE5449}" type="datetime8">
               <a:rPr lang="en-US" smtClean="0"/>
-              <a:t>8/27/2020 9:30 AM</a:t>
+              <a:t>8/27/2020 11:42 PM</a:t>
             </a:fld>
             <a:endParaRPr lang="en-US" dirty="0"/>
           </a:p>
@@ -4718,7 +4714,7 @@
           <a:p>
             <a:fld id="{9427A7F7-BB1E-479D-AFAA-B52F4D0C99F2}" type="datetime8">
               <a:rPr lang="en-US" smtClean="0"/>
-              <a:t>8/27/2020 9:30 AM</a:t>
+              <a:t>8/27/2020 11:42 PM</a:t>
             </a:fld>
             <a:endParaRPr lang="en-US" dirty="0"/>
           </a:p>
@@ -4883,7 +4879,7 @@
           <a:p>
             <a:fld id="{9427A7F7-BB1E-479D-AFAA-B52F4D0C99F2}" type="datetime8">
               <a:rPr lang="en-US" smtClean="0"/>
-              <a:t>8/27/2020 9:30 AM</a:t>
+              <a:t>8/27/2020 11:42 PM</a:t>
             </a:fld>
             <a:endParaRPr lang="en-US" dirty="0"/>
           </a:p>
@@ -5048,7 +5044,7 @@
           <a:p>
             <a:fld id="{9427A7F7-BB1E-479D-AFAA-B52F4D0C99F2}" type="datetime8">
               <a:rPr lang="en-US" smtClean="0"/>
-              <a:t>8/27/2020 9:30 AM</a:t>
+              <a:t>8/27/2020 11:42 PM</a:t>
             </a:fld>
             <a:endParaRPr lang="en-US" dirty="0"/>
           </a:p>
@@ -5213,7 +5209,7 @@
           <a:p>
             <a:fld id="{9427A7F7-BB1E-479D-AFAA-B52F4D0C99F2}" type="datetime8">
               <a:rPr lang="en-US" smtClean="0"/>
-              <a:t>8/27/2020 9:30 AM</a:t>
+              <a:t>8/27/2020 11:42 PM</a:t>
             </a:fld>
             <a:endParaRPr lang="en-US" dirty="0"/>
           </a:p>
@@ -5378,7 +5374,7 @@
           <a:p>
             <a:fld id="{E2F19A73-88F5-4B80-A929-CF8E66EE5449}" type="datetime8">
               <a:rPr lang="en-US" smtClean="0"/>
-              <a:t>8/27/2020 9:30 AM</a:t>
+              <a:t>8/27/2020 11:42 PM</a:t>
             </a:fld>
             <a:endParaRPr lang="en-US" dirty="0"/>
           </a:p>
@@ -5543,7 +5539,7 @@
           <a:p>
             <a:fld id="{9427A7F7-BB1E-479D-AFAA-B52F4D0C99F2}" type="datetime8">
               <a:rPr lang="en-US" smtClean="0"/>
-              <a:t>8/27/2020 9:30 AM</a:t>
+              <a:t>8/27/2020 11:42 PM</a:t>
             </a:fld>
             <a:endParaRPr lang="en-US" dirty="0"/>
           </a:p>
@@ -5708,7 +5704,7 @@
           <a:p>
             <a:fld id="{9427A7F7-BB1E-479D-AFAA-B52F4D0C99F2}" type="datetime8">
               <a:rPr lang="en-US" smtClean="0"/>
-              <a:t>8/27/2020 9:30 AM</a:t>
+              <a:t>8/27/2020 11:42 PM</a:t>
             </a:fld>
             <a:endParaRPr lang="en-US" dirty="0"/>
           </a:p>
@@ -5873,7 +5869,7 @@
           <a:p>
             <a:fld id="{9427A7F7-BB1E-479D-AFAA-B52F4D0C99F2}" type="datetime8">
               <a:rPr lang="en-US" smtClean="0"/>
-              <a:t>8/27/2020 9:30 AM</a:t>
+              <a:t>8/27/2020 11:42 PM</a:t>
             </a:fld>
             <a:endParaRPr lang="en-US" dirty="0"/>
           </a:p>
@@ -6038,7 +6034,7 @@
           <a:p>
             <a:fld id="{9427A7F7-BB1E-479D-AFAA-B52F4D0C99F2}" type="datetime8">
               <a:rPr lang="en-US" smtClean="0"/>
-              <a:t>8/27/2020 9:30 AM</a:t>
+              <a:t>8/27/2020 11:42 PM</a:t>
             </a:fld>
             <a:endParaRPr lang="en-US" dirty="0"/>
           </a:p>
@@ -6203,7 +6199,7 @@
           <a:p>
             <a:fld id="{9427A7F7-BB1E-479D-AFAA-B52F4D0C99F2}" type="datetime8">
               <a:rPr lang="en-US" smtClean="0"/>
-              <a:t>8/27/2020 9:30 AM</a:t>
+              <a:t>8/27/2020 11:42 PM</a:t>
             </a:fld>
             <a:endParaRPr lang="en-US" dirty="0"/>
           </a:p>
@@ -6368,7 +6364,7 @@
           <a:p>
             <a:fld id="{E2F19A73-88F5-4B80-A929-CF8E66EE5449}" type="datetime8">
               <a:rPr lang="en-US" smtClean="0"/>
-              <a:t>8/27/2020 9:30 AM</a:t>
+              <a:t>8/27/2020 11:42 PM</a:t>
             </a:fld>
             <a:endParaRPr lang="en-US" dirty="0"/>
           </a:p>
@@ -6533,7 +6529,7 @@
           <a:p>
             <a:fld id="{9427A7F7-BB1E-479D-AFAA-B52F4D0C99F2}" type="datetime8">
               <a:rPr lang="en-US" smtClean="0"/>
-              <a:t>8/27/2020 9:30 AM</a:t>
+              <a:t>8/27/2020 11:42 PM</a:t>
             </a:fld>
             <a:endParaRPr lang="en-US" dirty="0"/>
           </a:p>
@@ -6698,7 +6694,7 @@
           <a:p>
             <a:fld id="{9427A7F7-BB1E-479D-AFAA-B52F4D0C99F2}" type="datetime8">
               <a:rPr lang="en-US" smtClean="0"/>
-              <a:t>8/27/2020 9:30 AM</a:t>
+              <a:t>8/27/2020 11:42 PM</a:t>
             </a:fld>
             <a:endParaRPr lang="en-US" dirty="0"/>
           </a:p>
@@ -6863,7 +6859,7 @@
           <a:p>
             <a:fld id="{9427A7F7-BB1E-479D-AFAA-B52F4D0C99F2}" type="datetime8">
               <a:rPr lang="en-US" smtClean="0"/>
-              <a:t>8/27/2020 9:30 AM</a:t>
+              <a:t>8/27/2020 11:42 PM</a:t>
             </a:fld>
             <a:endParaRPr lang="en-US" dirty="0"/>
           </a:p>
@@ -7028,7 +7024,7 @@
           <a:p>
             <a:fld id="{9427A7F7-BB1E-479D-AFAA-B52F4D0C99F2}" type="datetime8">
               <a:rPr lang="en-US" smtClean="0"/>
-              <a:t>8/27/2020 9:30 AM</a:t>
+              <a:t>8/27/2020 11:42 PM</a:t>
             </a:fld>
             <a:endParaRPr lang="en-US" dirty="0"/>
           </a:p>
@@ -7193,7 +7189,7 @@
           <a:p>
             <a:fld id="{9427A7F7-BB1E-479D-AFAA-B52F4D0C99F2}" type="datetime8">
               <a:rPr lang="en-US" smtClean="0"/>
-              <a:t>8/27/2020 9:30 AM</a:t>
+              <a:t>8/27/2020 11:42 PM</a:t>
             </a:fld>
             <a:endParaRPr lang="en-US" dirty="0"/>
           </a:p>
@@ -7358,7 +7354,7 @@
           <a:p>
             <a:fld id="{9427A7F7-BB1E-479D-AFAA-B52F4D0C99F2}" type="datetime8">
               <a:rPr lang="en-US" smtClean="0"/>
-              <a:t>8/27/2020 9:30 AM</a:t>
+              <a:t>8/27/2020 11:42 PM</a:t>
             </a:fld>
             <a:endParaRPr lang="en-US" dirty="0"/>
           </a:p>
@@ -7523,7 +7519,7 @@
           <a:p>
             <a:fld id="{E2F19A73-88F5-4B80-A929-CF8E66EE5449}" type="datetime8">
               <a:rPr lang="en-US" smtClean="0"/>
-              <a:t>8/27/2020 9:30 AM</a:t>
+              <a:t>8/27/2020 11:42 PM</a:t>
             </a:fld>
             <a:endParaRPr lang="en-US" dirty="0"/>
           </a:p>
@@ -7688,7 +7684,7 @@
           <a:p>
             <a:fld id="{9427A7F7-BB1E-479D-AFAA-B52F4D0C99F2}" type="datetime8">
               <a:rPr lang="en-US" smtClean="0"/>
-              <a:t>8/27/2020 9:30 AM</a:t>
+              <a:t>8/27/2020 11:42 PM</a:t>
             </a:fld>
             <a:endParaRPr lang="en-US" dirty="0"/>
           </a:p>
@@ -7853,7 +7849,7 @@
           <a:p>
             <a:fld id="{9427A7F7-BB1E-479D-AFAA-B52F4D0C99F2}" type="datetime8">
               <a:rPr lang="en-US" smtClean="0"/>
-              <a:t>8/27/2020 9:30 AM</a:t>
+              <a:t>8/27/2020 11:42 PM</a:t>
             </a:fld>
             <a:endParaRPr lang="en-US" dirty="0"/>
           </a:p>
@@ -8018,7 +8014,7 @@
           <a:p>
             <a:fld id="{9427A7F7-BB1E-479D-AFAA-B52F4D0C99F2}" type="datetime8">
               <a:rPr lang="en-US" smtClean="0"/>
-              <a:t>8/27/2020 9:30 AM</a:t>
+              <a:t>8/27/2020 11:42 PM</a:t>
             </a:fld>
             <a:endParaRPr lang="en-US" dirty="0"/>
           </a:p>
@@ -8183,7 +8179,7 @@
           <a:p>
             <a:fld id="{9427A7F7-BB1E-479D-AFAA-B52F4D0C99F2}" type="datetime8">
               <a:rPr lang="en-US" smtClean="0"/>
-              <a:t>8/27/2020 9:30 AM</a:t>
+              <a:t>8/27/2020 11:42 PM</a:t>
             </a:fld>
             <a:endParaRPr lang="en-US" dirty="0"/>
           </a:p>
@@ -8348,7 +8344,7 @@
           <a:p>
             <a:fld id="{E2F19A73-88F5-4B80-A929-CF8E66EE5449}" type="datetime8">
               <a:rPr lang="en-US" smtClean="0"/>
-              <a:t>8/27/2020 9:30 AM</a:t>
+              <a:t>8/27/2020 11:42 PM</a:t>
             </a:fld>
             <a:endParaRPr lang="en-US" dirty="0"/>
           </a:p>
@@ -8513,7 +8509,7 @@
           <a:p>
             <a:fld id="{9427A7F7-BB1E-479D-AFAA-B52F4D0C99F2}" type="datetime8">
               <a:rPr lang="en-US" smtClean="0"/>
-              <a:t>8/27/2020 9:30 AM</a:t>
+              <a:t>8/27/2020 11:42 PM</a:t>
             </a:fld>
             <a:endParaRPr lang="en-US" dirty="0"/>
           </a:p>
@@ -8678,7 +8674,7 @@
           <a:p>
             <a:fld id="{9427A7F7-BB1E-479D-AFAA-B52F4D0C99F2}" type="datetime8">
               <a:rPr lang="en-US" smtClean="0"/>
-              <a:t>8/27/2020 9:30 AM</a:t>
+              <a:t>8/27/2020 11:42 PM</a:t>
             </a:fld>
             <a:endParaRPr lang="en-US" dirty="0"/>
           </a:p>
@@ -8843,7 +8839,7 @@
           <a:p>
             <a:fld id="{9427A7F7-BB1E-479D-AFAA-B52F4D0C99F2}" type="datetime8">
               <a:rPr lang="en-US" smtClean="0"/>
-              <a:t>8/27/2020 9:30 AM</a:t>
+              <a:t>8/27/2020 11:42 PM</a:t>
             </a:fld>
             <a:endParaRPr lang="en-US" dirty="0"/>
           </a:p>
@@ -9008,7 +9004,7 @@
           <a:p>
             <a:fld id="{E2F19A73-88F5-4B80-A929-CF8E66EE5449}" type="datetime8">
               <a:rPr lang="en-US" smtClean="0"/>
-              <a:t>8/27/2020 9:30 AM</a:t>
+              <a:t>8/27/2020 11:42 PM</a:t>
             </a:fld>
             <a:endParaRPr lang="en-US" dirty="0"/>
           </a:p>
@@ -9173,7 +9169,7 @@
           <a:p>
             <a:fld id="{9427A7F7-BB1E-479D-AFAA-B52F4D0C99F2}" type="datetime8">
               <a:rPr lang="en-US" smtClean="0"/>
-              <a:t>8/27/2020 9:30 AM</a:t>
+              <a:t>8/27/2020 11:42 PM</a:t>
             </a:fld>
             <a:endParaRPr lang="en-US" dirty="0"/>
           </a:p>
@@ -9338,7 +9334,7 @@
           <a:p>
             <a:fld id="{9427A7F7-BB1E-479D-AFAA-B52F4D0C99F2}" type="datetime8">
               <a:rPr lang="en-US" smtClean="0"/>
-              <a:t>8/27/2020 9:30 AM</a:t>
+              <a:t>8/27/2020 11:42 PM</a:t>
             </a:fld>
             <a:endParaRPr lang="en-US" dirty="0"/>
           </a:p>
@@ -9503,7 +9499,7 @@
           <a:p>
             <a:fld id="{9427A7F7-BB1E-479D-AFAA-B52F4D0C99F2}" type="datetime8">
               <a:rPr lang="en-US" smtClean="0"/>
-              <a:t>8/27/2020 9:30 AM</a:t>
+              <a:t>8/27/2020 11:42 PM</a:t>
             </a:fld>
             <a:endParaRPr lang="en-US" dirty="0"/>
           </a:p>
@@ -9668,7 +9664,7 @@
           <a:p>
             <a:fld id="{E2F19A73-88F5-4B80-A929-CF8E66EE5449}" type="datetime8">
               <a:rPr lang="en-US" smtClean="0"/>
-              <a:t>8/27/2020 9:30 AM</a:t>
+              <a:t>8/27/2020 11:42 PM</a:t>
             </a:fld>
             <a:endParaRPr lang="en-US" dirty="0"/>
           </a:p>
@@ -9701,7 +9697,7 @@
     </p:spTree>
     <p:extLst>
       <p:ext uri="{BB962C8B-B14F-4D97-AF65-F5344CB8AC3E}">
-        <p14:creationId xmlns:p14="http://schemas.microsoft.com/office/powerpoint/2010/main" val="4061060594"/>
+        <p14:creationId xmlns:p14="http://schemas.microsoft.com/office/powerpoint/2010/main" val="940808859"/>
       </p:ext>
     </p:extLst>
   </p:cSld>
@@ -9755,14 +9751,6 @@
           <a:bodyPr/>
           <a:lstStyle/>
           <a:p>
-            <a:r>
-              <a:rPr lang="en-US" dirty="0"/>
-              <a:t>A copy of the planning document is available in the MCT DLC for this course. The document has suggested solutions for each question. Use these suggested answers to help drive the discussion. You should allot approximately 1 hour for </a:t>
-            </a:r>
-            <a:r>
-              <a:rPr lang="en-US"/>
-              <a:t>this exercise.</a:t>
-            </a:r>
             <a:endParaRPr lang="en-US" dirty="0"/>
           </a:p>
         </p:txBody>
@@ -9841,7 +9829,7 @@
           <a:p>
             <a:fld id="{9427A7F7-BB1E-479D-AFAA-B52F4D0C99F2}" type="datetime8">
               <a:rPr lang="en-US" smtClean="0"/>
-              <a:t>8/27/2020 9:30 AM</a:t>
+              <a:t>8/27/2020 11:42 PM</a:t>
             </a:fld>
             <a:endParaRPr lang="en-US" dirty="0"/>
           </a:p>
@@ -9874,7 +9862,7 @@
     </p:spTree>
     <p:extLst>
       <p:ext uri="{BB962C8B-B14F-4D97-AF65-F5344CB8AC3E}">
-        <p14:creationId xmlns:p14="http://schemas.microsoft.com/office/powerpoint/2010/main" val="3925774235"/>
+        <p14:creationId xmlns:p14="http://schemas.microsoft.com/office/powerpoint/2010/main" val="3916007000"/>
       </p:ext>
     </p:extLst>
   </p:cSld>
@@ -9911,336 +9899,6 @@
             <p:ph type="sldImg"/>
           </p:nvPr>
         </p:nvSpPr>
-        <p:spPr/>
-      </p:sp>
-      <p:sp>
-        <p:nvSpPr>
-          <p:cNvPr id="3" name="Notes Placeholder 2"/>
-          <p:cNvSpPr>
-            <a:spLocks noGrp="1"/>
-          </p:cNvSpPr>
-          <p:nvPr>
-            <p:ph type="body" idx="1"/>
-          </p:nvPr>
-        </p:nvSpPr>
-        <p:spPr/>
-        <p:txBody>
-          <a:bodyPr/>
-          <a:lstStyle/>
-          <a:p>
-            <a:endParaRPr lang="en-US" dirty="0"/>
-          </a:p>
-        </p:txBody>
-      </p:sp>
-      <p:sp>
-        <p:nvSpPr>
-          <p:cNvPr id="4" name="Header Placeholder 3"/>
-          <p:cNvSpPr>
-            <a:spLocks noGrp="1"/>
-          </p:cNvSpPr>
-          <p:nvPr>
-            <p:ph type="hdr" sz="quarter" idx="10"/>
-          </p:nvPr>
-        </p:nvSpPr>
-        <p:spPr/>
-        <p:txBody>
-          <a:bodyPr/>
-          <a:lstStyle/>
-          <a:p>
-            <a:endParaRPr lang="en-US" dirty="0"/>
-          </a:p>
-        </p:txBody>
-      </p:sp>
-      <p:sp>
-        <p:nvSpPr>
-          <p:cNvPr id="5" name="Footer Placeholder 4"/>
-          <p:cNvSpPr>
-            <a:spLocks noGrp="1"/>
-          </p:cNvSpPr>
-          <p:nvPr>
-            <p:ph type="ftr" sz="quarter" idx="11"/>
-          </p:nvPr>
-        </p:nvSpPr>
-        <p:spPr/>
-        <p:txBody>
-          <a:bodyPr/>
-          <a:lstStyle/>
-          <a:p>
-            <a:pPr defTabSz="914099" eaLnBrk="0" hangingPunct="0"/>
-            <a:r>
-              <a:rPr lang="en-US" sz="400" dirty="0">
-                <a:gradFill>
-                  <a:gsLst>
-                    <a:gs pos="0">
-                      <a:prstClr val="black"/>
-                    </a:gs>
-                    <a:gs pos="100000">
-                      <a:prstClr val="black"/>
-                    </a:gs>
-                  </a:gsLst>
-                  <a:lin ang="5400000" scaled="0"/>
-                </a:gradFill>
-                <a:latin typeface="Segoe UI" pitchFamily="34" charset="0"/>
-                <a:ea typeface="Segoe UI" pitchFamily="34" charset="0"/>
-                <a:cs typeface="Segoe UI" pitchFamily="34" charset="0"/>
-              </a:rPr>
-              <a:t>© Microsoft Corporation. All rights reserved. MICROSOFT MAKES NO WARRANTIES, EXPRESS, IMPLIED OR STATUTORY, AS TO THE INFORMATION IN THIS PRESENTATION.</a:t>
-            </a:r>
-          </a:p>
-        </p:txBody>
-      </p:sp>
-      <p:sp>
-        <p:nvSpPr>
-          <p:cNvPr id="6" name="Date Placeholder 5"/>
-          <p:cNvSpPr>
-            <a:spLocks noGrp="1"/>
-          </p:cNvSpPr>
-          <p:nvPr>
-            <p:ph type="dt" idx="12"/>
-          </p:nvPr>
-        </p:nvSpPr>
-        <p:spPr/>
-        <p:txBody>
-          <a:bodyPr/>
-          <a:lstStyle/>
-          <a:p>
-            <a:fld id="{E2F19A73-88F5-4B80-A929-CF8E66EE5449}" type="datetime8">
-              <a:rPr lang="en-US" smtClean="0"/>
-              <a:t>8/27/2020 9:30 AM</a:t>
-            </a:fld>
-            <a:endParaRPr lang="en-US" dirty="0"/>
-          </a:p>
-        </p:txBody>
-      </p:sp>
-      <p:sp>
-        <p:nvSpPr>
-          <p:cNvPr id="7" name="Slide Number Placeholder 6"/>
-          <p:cNvSpPr>
-            <a:spLocks noGrp="1"/>
-          </p:cNvSpPr>
-          <p:nvPr>
-            <p:ph type="sldNum" sz="quarter" idx="13"/>
-          </p:nvPr>
-        </p:nvSpPr>
-        <p:spPr/>
-        <p:txBody>
-          <a:bodyPr/>
-          <a:lstStyle/>
-          <a:p>
-            <a:fld id="{B4008EB6-D09E-4580-8CD6-DDB14511944F}" type="slidenum">
-              <a:rPr lang="en-US" smtClean="0"/>
-              <a:pPr/>
-              <a:t>56</a:t>
-            </a:fld>
-            <a:endParaRPr lang="en-US" dirty="0"/>
-          </a:p>
-        </p:txBody>
-      </p:sp>
-    </p:spTree>
-    <p:extLst>
-      <p:ext uri="{BB962C8B-B14F-4D97-AF65-F5344CB8AC3E}">
-        <p14:creationId xmlns:p14="http://schemas.microsoft.com/office/powerpoint/2010/main" val="940808859"/>
-      </p:ext>
-    </p:extLst>
-  </p:cSld>
-  <p:clrMapOvr>
-    <a:masterClrMapping/>
-  </p:clrMapOvr>
-</p:notes>
-</file>
-
-<file path=ppt/notesSlides/notesSlide56.xml><?xml version="1.0" encoding="utf-8"?>
-<p:notes xmlns:a="http://schemas.openxmlformats.org/drawingml/2006/main" xmlns:r="http://schemas.openxmlformats.org/officeDocument/2006/relationships" xmlns:p="http://schemas.openxmlformats.org/presentationml/2006/main">
-  <p:cSld>
-    <p:spTree>
-      <p:nvGrpSpPr>
-        <p:cNvPr id="1" name=""/>
-        <p:cNvGrpSpPr/>
-        <p:nvPr/>
-      </p:nvGrpSpPr>
-      <p:grpSpPr>
-        <a:xfrm>
-          <a:off x="0" y="0"/>
-          <a:ext cx="0" cy="0"/>
-          <a:chOff x="0" y="0"/>
-          <a:chExt cx="0" cy="0"/>
-        </a:xfrm>
-      </p:grpSpPr>
-      <p:sp>
-        <p:nvSpPr>
-          <p:cNvPr id="2" name="Slide Image Placeholder 1"/>
-          <p:cNvSpPr>
-            <a:spLocks noGrp="1" noRot="1" noChangeAspect="1"/>
-          </p:cNvSpPr>
-          <p:nvPr>
-            <p:ph type="sldImg"/>
-          </p:nvPr>
-        </p:nvSpPr>
-        <p:spPr/>
-      </p:sp>
-      <p:sp>
-        <p:nvSpPr>
-          <p:cNvPr id="3" name="Notes Placeholder 2"/>
-          <p:cNvSpPr>
-            <a:spLocks noGrp="1"/>
-          </p:cNvSpPr>
-          <p:nvPr>
-            <p:ph type="body" idx="1"/>
-          </p:nvPr>
-        </p:nvSpPr>
-        <p:spPr/>
-        <p:txBody>
-          <a:bodyPr/>
-          <a:lstStyle/>
-          <a:p>
-            <a:endParaRPr lang="en-US" dirty="0"/>
-          </a:p>
-        </p:txBody>
-      </p:sp>
-      <p:sp>
-        <p:nvSpPr>
-          <p:cNvPr id="4" name="Header Placeholder 3"/>
-          <p:cNvSpPr>
-            <a:spLocks noGrp="1"/>
-          </p:cNvSpPr>
-          <p:nvPr>
-            <p:ph type="hdr" sz="quarter" idx="10"/>
-          </p:nvPr>
-        </p:nvSpPr>
-        <p:spPr/>
-        <p:txBody>
-          <a:bodyPr/>
-          <a:lstStyle/>
-          <a:p>
-            <a:endParaRPr lang="en-US" dirty="0"/>
-          </a:p>
-        </p:txBody>
-      </p:sp>
-      <p:sp>
-        <p:nvSpPr>
-          <p:cNvPr id="5" name="Footer Placeholder 4"/>
-          <p:cNvSpPr>
-            <a:spLocks noGrp="1"/>
-          </p:cNvSpPr>
-          <p:nvPr>
-            <p:ph type="ftr" sz="quarter" idx="11"/>
-          </p:nvPr>
-        </p:nvSpPr>
-        <p:spPr/>
-        <p:txBody>
-          <a:bodyPr/>
-          <a:lstStyle/>
-          <a:p>
-            <a:pPr defTabSz="914099" eaLnBrk="0" hangingPunct="0"/>
-            <a:r>
-              <a:rPr lang="en-US" sz="400" dirty="0">
-                <a:gradFill>
-                  <a:gsLst>
-                    <a:gs pos="0">
-                      <a:prstClr val="black"/>
-                    </a:gs>
-                    <a:gs pos="100000">
-                      <a:prstClr val="black"/>
-                    </a:gs>
-                  </a:gsLst>
-                  <a:lin ang="5400000" scaled="0"/>
-                </a:gradFill>
-                <a:latin typeface="Segoe UI" pitchFamily="34" charset="0"/>
-                <a:ea typeface="Segoe UI" pitchFamily="34" charset="0"/>
-                <a:cs typeface="Segoe UI" pitchFamily="34" charset="0"/>
-              </a:rPr>
-              <a:t>© Microsoft Corporation. All rights reserved. MICROSOFT MAKES NO WARRANTIES, EXPRESS, IMPLIED OR STATUTORY, AS TO THE INFORMATION IN THIS PRESENTATION.</a:t>
-            </a:r>
-          </a:p>
-        </p:txBody>
-      </p:sp>
-      <p:sp>
-        <p:nvSpPr>
-          <p:cNvPr id="6" name="Date Placeholder 5"/>
-          <p:cNvSpPr>
-            <a:spLocks noGrp="1"/>
-          </p:cNvSpPr>
-          <p:nvPr>
-            <p:ph type="dt" idx="12"/>
-          </p:nvPr>
-        </p:nvSpPr>
-        <p:spPr/>
-        <p:txBody>
-          <a:bodyPr/>
-          <a:lstStyle/>
-          <a:p>
-            <a:fld id="{9427A7F7-BB1E-479D-AFAA-B52F4D0C99F2}" type="datetime8">
-              <a:rPr lang="en-US" smtClean="0"/>
-              <a:t>8/27/2020 9:30 AM</a:t>
-            </a:fld>
-            <a:endParaRPr lang="en-US" dirty="0"/>
-          </a:p>
-        </p:txBody>
-      </p:sp>
-      <p:sp>
-        <p:nvSpPr>
-          <p:cNvPr id="7" name="Slide Number Placeholder 6"/>
-          <p:cNvSpPr>
-            <a:spLocks noGrp="1"/>
-          </p:cNvSpPr>
-          <p:nvPr>
-            <p:ph type="sldNum" sz="quarter" idx="13"/>
-          </p:nvPr>
-        </p:nvSpPr>
-        <p:spPr/>
-        <p:txBody>
-          <a:bodyPr/>
-          <a:lstStyle/>
-          <a:p>
-            <a:fld id="{B4008EB6-D09E-4580-8CD6-DDB14511944F}" type="slidenum">
-              <a:rPr lang="en-US" smtClean="0"/>
-              <a:pPr/>
-              <a:t>57</a:t>
-            </a:fld>
-            <a:endParaRPr lang="en-US" dirty="0"/>
-          </a:p>
-        </p:txBody>
-      </p:sp>
-    </p:spTree>
-    <p:extLst>
-      <p:ext uri="{BB962C8B-B14F-4D97-AF65-F5344CB8AC3E}">
-        <p14:creationId xmlns:p14="http://schemas.microsoft.com/office/powerpoint/2010/main" val="3916007000"/>
-      </p:ext>
-    </p:extLst>
-  </p:cSld>
-  <p:clrMapOvr>
-    <a:masterClrMapping/>
-  </p:clrMapOvr>
-</p:notes>
-</file>
-
-<file path=ppt/notesSlides/notesSlide57.xml><?xml version="1.0" encoding="utf-8"?>
-<p:notes xmlns:a="http://schemas.openxmlformats.org/drawingml/2006/main" xmlns:r="http://schemas.openxmlformats.org/officeDocument/2006/relationships" xmlns:p="http://schemas.openxmlformats.org/presentationml/2006/main">
-  <p:cSld>
-    <p:spTree>
-      <p:nvGrpSpPr>
-        <p:cNvPr id="1" name=""/>
-        <p:cNvGrpSpPr/>
-        <p:nvPr/>
-      </p:nvGrpSpPr>
-      <p:grpSpPr>
-        <a:xfrm>
-          <a:off x="0" y="0"/>
-          <a:ext cx="0" cy="0"/>
-          <a:chOff x="0" y="0"/>
-          <a:chExt cx="0" cy="0"/>
-        </a:xfrm>
-      </p:grpSpPr>
-      <p:sp>
-        <p:nvSpPr>
-          <p:cNvPr id="2" name="Slide Image Placeholder 1"/>
-          <p:cNvSpPr>
-            <a:spLocks noGrp="1" noRot="1" noChangeAspect="1"/>
-          </p:cNvSpPr>
-          <p:nvPr>
-            <p:ph type="sldImg"/>
-          </p:nvPr>
-        </p:nvSpPr>
         <p:spPr>
           <a:xfrm>
             <a:off x="381000" y="685800"/>
@@ -10321,7 +9979,7 @@
                   <a:prstClr val="black"/>
                 </a:solidFill>
               </a:rPr>
-              <a:t>8/27/2020 9:30 AM</a:t>
+              <a:t>8/27/2020 11:42 PM</a:t>
             </a:fld>
             <a:endParaRPr lang="en-US" dirty="0">
               <a:solidFill>
@@ -10353,7 +10011,7 @@
                 </a:solidFill>
               </a:rPr>
               <a:pPr/>
-              <a:t>58</a:t>
+              <a:t>56</a:t>
             </a:fld>
             <a:endParaRPr lang="en-US" dirty="0">
               <a:solidFill>
@@ -10536,7 +10194,7 @@
           <a:p>
             <a:fld id="{9427A7F7-BB1E-479D-AFAA-B52F4D0C99F2}" type="datetime8">
               <a:rPr lang="en-US" smtClean="0"/>
-              <a:t>8/27/2020 9:30 AM</a:t>
+              <a:t>8/27/2020 11:42 PM</a:t>
             </a:fld>
             <a:endParaRPr lang="en-US" dirty="0"/>
           </a:p>
@@ -10704,7 +10362,7 @@
           <a:p>
             <a:fld id="{9427A7F7-BB1E-479D-AFAA-B52F4D0C99F2}" type="datetime8">
               <a:rPr lang="en-US" smtClean="0"/>
-              <a:t>8/27/2020 9:30 AM</a:t>
+              <a:t>8/27/2020 11:42 PM</a:t>
             </a:fld>
             <a:endParaRPr lang="en-US" dirty="0"/>
           </a:p>
@@ -10872,7 +10530,7 @@
           <a:p>
             <a:fld id="{9427A7F7-BB1E-479D-AFAA-B52F4D0C99F2}" type="datetime8">
               <a:rPr lang="en-US" smtClean="0"/>
-              <a:t>8/27/2020 9:30 AM</a:t>
+              <a:t>8/27/2020 11:42 PM</a:t>
             </a:fld>
             <a:endParaRPr lang="en-US" dirty="0"/>
           </a:p>
@@ -11040,7 +10698,7 @@
           <a:p>
             <a:fld id="{9427A7F7-BB1E-479D-AFAA-B52F4D0C99F2}" type="datetime8">
               <a:rPr lang="en-US" smtClean="0"/>
-              <a:t>8/27/2020 9:30 AM</a:t>
+              <a:t>8/27/2020 11:42 PM</a:t>
             </a:fld>
             <a:endParaRPr lang="en-US" dirty="0"/>
           </a:p>
@@ -28665,7 +28323,7 @@
           </a:ln>
           <a:extLst>
             <a:ext uri="{91240B29-F687-4f45-9708-019B960494DF}">
-              <a14:hiddenLine xmlns="" xmlns:a14="http://schemas.microsoft.com/office/drawing/2010/main" w="9525">
+              <a14:hiddenLine xmlns:a14="http://schemas.microsoft.com/office/drawing/2010/main" xmlns="" w="9525">
                 <a:solidFill>
                   <a:srgbClr val="000000"/>
                 </a:solidFill>
@@ -28917,7 +28575,7 @@
           </a:ln>
           <a:extLst>
             <a:ext uri="{91240B29-F687-4f45-9708-019B960494DF}">
-              <a14:hiddenLine xmlns="" xmlns:a14="http://schemas.microsoft.com/office/drawing/2010/main" w="9525">
+              <a14:hiddenLine xmlns:a14="http://schemas.microsoft.com/office/drawing/2010/main" xmlns="" w="9525">
                 <a:solidFill>
                   <a:srgbClr val="000000"/>
                 </a:solidFill>
@@ -36127,7 +35785,7 @@
           <a:graphicData uri="http://schemas.openxmlformats.org/presentationml/2006/ole">
             <mc:AlternateContent xmlns:mc="http://schemas.openxmlformats.org/markup-compatibility/2006">
               <mc:Choice xmlns:v="urn:schemas-microsoft-com:vml" Requires="v">
-                <p:oleObj spid="_x0000_s2090" name="Document" r:id="rId4" imgW="6444257" imgH="5495944" progId="Word.Document.12">
+                <p:oleObj spid="_x0000_s2091" name="Document" r:id="rId4" imgW="6444257" imgH="5495944" progId="Word.Document.12">
                   <p:embed/>
                 </p:oleObj>
               </mc:Choice>
@@ -36404,330 +36062,6 @@
         </p:nvSpPr>
         <p:spPr>
           <a:xfrm>
-            <a:off x="584200" y="2535115"/>
-            <a:ext cx="9144000" cy="997196"/>
-          </a:xfrm>
-        </p:spPr>
-        <p:txBody>
-          <a:bodyPr/>
-          <a:lstStyle/>
-          <a:p>
-            <a:r>
-              <a:rPr lang="bs-Latn-BA" dirty="0"/>
-              <a:t>Lesson </a:t>
-            </a:r>
-            <a:r>
-              <a:rPr lang="en-US" dirty="0"/>
-              <a:t>7</a:t>
-            </a:r>
-            <a:r>
-              <a:rPr lang="bs-Latn-BA" dirty="0"/>
-              <a:t>: </a:t>
-            </a:r>
-            <a:r>
-              <a:rPr lang="en-US" dirty="0"/>
-              <a:t>Exercise – Planning the Transition to Microsoft 365</a:t>
-            </a:r>
-          </a:p>
-        </p:txBody>
-      </p:sp>
-    </p:spTree>
-    <p:extLst>
-      <p:ext uri="{BB962C8B-B14F-4D97-AF65-F5344CB8AC3E}">
-        <p14:creationId xmlns:p14="http://schemas.microsoft.com/office/powerpoint/2010/main" val="964069156"/>
-      </p:ext>
-    </p:extLst>
-  </p:cSld>
-  <p:clrMapOvr>
-    <a:masterClrMapping/>
-  </p:clrMapOvr>
-  <mc:AlternateContent xmlns:mc="http://schemas.openxmlformats.org/markup-compatibility/2006" xmlns:p14="http://schemas.microsoft.com/office/powerpoint/2010/main">
-    <mc:Choice Requires="p14">
-      <p:transition spd="med" p14:dur="700">
-        <p:fade/>
-      </p:transition>
-    </mc:Choice>
-    <mc:Fallback xmlns="">
-      <p:transition spd="med">
-        <p:fade/>
-      </p:transition>
-    </mc:Fallback>
-  </mc:AlternateContent>
-</p:sld>
-</file>
-
-<file path=ppt/slides/slide55.xml><?xml version="1.0" encoding="utf-8"?>
-<p:sld xmlns:a="http://schemas.openxmlformats.org/drawingml/2006/main" xmlns:r="http://schemas.openxmlformats.org/officeDocument/2006/relationships" xmlns:p="http://schemas.openxmlformats.org/presentationml/2006/main">
-  <p:cSld>
-    <p:spTree>
-      <p:nvGrpSpPr>
-        <p:cNvPr id="1" name=""/>
-        <p:cNvGrpSpPr/>
-        <p:nvPr/>
-      </p:nvGrpSpPr>
-      <p:grpSpPr>
-        <a:xfrm>
-          <a:off x="0" y="0"/>
-          <a:ext cx="0" cy="0"/>
-          <a:chOff x="0" y="0"/>
-          <a:chExt cx="0" cy="0"/>
-        </a:xfrm>
-      </p:grpSpPr>
-      <p:sp>
-        <p:nvSpPr>
-          <p:cNvPr id="17" name="Title 16"/>
-          <p:cNvSpPr>
-            <a:spLocks noGrp="1"/>
-          </p:cNvSpPr>
-          <p:nvPr>
-            <p:ph type="title"/>
-          </p:nvPr>
-        </p:nvSpPr>
-        <p:spPr>
-          <a:xfrm>
-            <a:off x="588263" y="465992"/>
-            <a:ext cx="11018520" cy="553998"/>
-          </a:xfrm>
-        </p:spPr>
-        <p:txBody>
-          <a:bodyPr/>
-          <a:lstStyle/>
-          <a:p>
-            <a:r>
-              <a:rPr lang="en-US" dirty="0"/>
-              <a:t>Paper-based Lab Exercise</a:t>
-            </a:r>
-          </a:p>
-        </p:txBody>
-      </p:sp>
-      <p:sp>
-        <p:nvSpPr>
-          <p:cNvPr id="6" name="Text Placeholder 5"/>
-          <p:cNvSpPr>
-            <a:spLocks noGrp="1"/>
-          </p:cNvSpPr>
-          <p:nvPr>
-            <p:ph type="body" sz="quarter" idx="10"/>
-          </p:nvPr>
-        </p:nvSpPr>
-        <p:spPr>
-          <a:xfrm>
-            <a:off x="2846230" y="1444289"/>
-            <a:ext cx="8765281" cy="2449901"/>
-          </a:xfrm>
-        </p:spPr>
-        <p:txBody>
-          <a:bodyPr/>
-          <a:lstStyle/>
-          <a:p>
-            <a:pPr marL="0" lvl="0" indent="0" fontAlgn="base">
-              <a:buNone/>
-            </a:pPr>
-            <a:r>
-              <a:rPr lang="en-US" dirty="0"/>
-              <a:t>Exercise 1: Planning the Transition to Microsoft 365</a:t>
-            </a:r>
-          </a:p>
-          <a:p>
-            <a:pPr lvl="0" fontAlgn="base"/>
-            <a:endParaRPr lang="en-US" sz="800" dirty="0"/>
-          </a:p>
-          <a:p>
-            <a:r>
-              <a:rPr lang="en-US" sz="2000" dirty="0"/>
-              <a:t>You have been tasked with moving Adatum to Microsoft 365 as its cloud solution. The CEO has requested that you create a transition timeline that includes suggestions on how the new infrastructure will be utilized.</a:t>
-            </a:r>
-          </a:p>
-          <a:p>
-            <a:pPr marL="0" indent="0">
-              <a:buNone/>
-            </a:pPr>
-            <a:r>
-              <a:rPr lang="en-US" sz="2000" dirty="0"/>
-              <a:t> </a:t>
-            </a:r>
-          </a:p>
-          <a:p>
-            <a:r>
-              <a:rPr lang="en-US" sz="2000" b="1" dirty="0">
-                <a:solidFill>
-                  <a:srgbClr val="FF0000"/>
-                </a:solidFill>
-              </a:rPr>
-              <a:t>Download the planning document from the site listed in your student manual.</a:t>
-            </a:r>
-          </a:p>
-          <a:p>
-            <a:pPr lvl="0" fontAlgn="base"/>
-            <a:endParaRPr lang="en-US" sz="800" dirty="0"/>
-          </a:p>
-        </p:txBody>
-      </p:sp>
-      <p:pic>
-        <p:nvPicPr>
-          <p:cNvPr id="4" name="Picture 3" descr="A picture containing drawing&#10;&#10;Description automatically generated">
-            <a:extLst>
-              <a:ext uri="{FF2B5EF4-FFF2-40B4-BE49-F238E27FC236}">
-                <a16:creationId xmlns:a16="http://schemas.microsoft.com/office/drawing/2014/main" id="{37DE960F-3A9A-4E75-9EBE-3D7A06296451}"/>
-              </a:ext>
-            </a:extLst>
-          </p:cNvPr>
-          <p:cNvPicPr>
-            <a:picLocks noChangeAspect="1"/>
-          </p:cNvPicPr>
-          <p:nvPr/>
-        </p:nvPicPr>
-        <p:blipFill>
-          <a:blip r:embed="rId3"/>
-          <a:stretch>
-            <a:fillRect/>
-          </a:stretch>
-        </p:blipFill>
-        <p:spPr>
-          <a:xfrm>
-            <a:off x="283896" y="1469809"/>
-            <a:ext cx="2454439" cy="2115339"/>
-          </a:xfrm>
-          <a:prstGeom prst="rect">
-            <a:avLst/>
-          </a:prstGeom>
-        </p:spPr>
-      </p:pic>
-      <p:sp>
-        <p:nvSpPr>
-          <p:cNvPr id="2" name="TextBox 1">
-            <a:extLst>
-              <a:ext uri="{FF2B5EF4-FFF2-40B4-BE49-F238E27FC236}">
-                <a16:creationId xmlns:a16="http://schemas.microsoft.com/office/drawing/2014/main" id="{B62F958C-D0FF-499D-9D30-8645FD917054}"/>
-              </a:ext>
-            </a:extLst>
-          </p:cNvPr>
-          <p:cNvSpPr txBox="1"/>
-          <p:nvPr/>
-        </p:nvSpPr>
-        <p:spPr>
-          <a:xfrm>
-            <a:off x="378372" y="4067505"/>
-            <a:ext cx="11403725" cy="2462213"/>
-          </a:xfrm>
-          <a:prstGeom prst="rect">
-            <a:avLst/>
-          </a:prstGeom>
-          <a:noFill/>
-        </p:spPr>
-        <p:txBody>
-          <a:bodyPr wrap="square" lIns="0" tIns="0" rIns="0" bIns="0" rtlCol="0">
-            <a:spAutoFit/>
-          </a:bodyPr>
-          <a:lstStyle/>
-          <a:p>
-            <a:r>
-              <a:rPr lang="en-US" sz="2000" b="1" dirty="0"/>
-              <a:t>Step 1 - </a:t>
-            </a:r>
-            <a:r>
-              <a:rPr lang="en-US" sz="2000" dirty="0"/>
-              <a:t>Each student should review the information provided and answer the questions in the document.</a:t>
-            </a:r>
-          </a:p>
-          <a:p>
-            <a:endParaRPr lang="en-US" sz="2000" dirty="0"/>
-          </a:p>
-          <a:p>
-            <a:r>
-              <a:rPr lang="en-US" sz="2000" b="1" dirty="0"/>
-              <a:t>Step 2 - </a:t>
-            </a:r>
-            <a:r>
-              <a:rPr lang="en-US" sz="2000" dirty="0"/>
-              <a:t>After completing the assessment, exchange it with one of your fellow students and review each other’s assessment. Identify the key differences between your two proposals.</a:t>
-            </a:r>
-          </a:p>
-          <a:p>
-            <a:endParaRPr lang="en-US" sz="2000" dirty="0"/>
-          </a:p>
-          <a:p>
-            <a:r>
-              <a:rPr lang="en-US" sz="2000" b="1" dirty="0"/>
-              <a:t>Step 3 – </a:t>
-            </a:r>
-            <a:r>
-              <a:rPr lang="en-US" sz="2000" dirty="0"/>
-              <a:t>Review your assessments with the class and come to a final solution for Adatum.</a:t>
-            </a:r>
-          </a:p>
-          <a:p>
-            <a:pPr algn="l"/>
-            <a:endParaRPr lang="en-US" sz="2000" dirty="0" err="1">
-              <a:gradFill>
-                <a:gsLst>
-                  <a:gs pos="2917">
-                    <a:schemeClr val="tx1"/>
-                  </a:gs>
-                  <a:gs pos="30000">
-                    <a:schemeClr val="tx1"/>
-                  </a:gs>
-                </a:gsLst>
-                <a:lin ang="5400000" scaled="0"/>
-              </a:gradFill>
-            </a:endParaRPr>
-          </a:p>
-        </p:txBody>
-      </p:sp>
-    </p:spTree>
-    <p:extLst>
-      <p:ext uri="{BB962C8B-B14F-4D97-AF65-F5344CB8AC3E}">
-        <p14:creationId xmlns:p14="http://schemas.microsoft.com/office/powerpoint/2010/main" val="288376469"/>
-      </p:ext>
-    </p:extLst>
-  </p:cSld>
-  <p:clrMapOvr>
-    <a:masterClrMapping/>
-  </p:clrMapOvr>
-  <mc:AlternateContent xmlns:mc="http://schemas.openxmlformats.org/markup-compatibility/2006" xmlns:p14="http://schemas.microsoft.com/office/powerpoint/2010/main">
-    <mc:Choice Requires="p14">
-      <p:transition spd="med" p14:dur="700">
-        <p:fade/>
-      </p:transition>
-    </mc:Choice>
-    <mc:Fallback xmlns="">
-      <p:transition spd="med">
-        <p:fade/>
-      </p:transition>
-    </mc:Fallback>
-  </mc:AlternateContent>
-</p:sld>
-</file>
-
-<file path=ppt/slides/slide56.xml><?xml version="1.0" encoding="utf-8"?>
-<p:sld xmlns:a="http://schemas.openxmlformats.org/drawingml/2006/main" xmlns:r="http://schemas.openxmlformats.org/officeDocument/2006/relationships" xmlns:p="http://schemas.openxmlformats.org/presentationml/2006/main">
-  <p:cSld>
-    <p:spTree>
-      <p:nvGrpSpPr>
-        <p:cNvPr id="1" name=""/>
-        <p:cNvGrpSpPr/>
-        <p:nvPr/>
-      </p:nvGrpSpPr>
-      <p:grpSpPr>
-        <a:xfrm>
-          <a:off x="0" y="0"/>
-          <a:ext cx="0" cy="0"/>
-          <a:chOff x="0" y="0"/>
-          <a:chExt cx="0" cy="0"/>
-        </a:xfrm>
-      </p:grpSpPr>
-      <p:sp>
-        <p:nvSpPr>
-          <p:cNvPr id="2" name="Title 1"/>
-          <p:cNvSpPr>
-            <a:spLocks noGrp="1"/>
-          </p:cNvSpPr>
-          <p:nvPr>
-            <p:ph type="title"/>
-          </p:nvPr>
-        </p:nvSpPr>
-        <p:spPr>
-          <a:xfrm>
             <a:off x="584200" y="3033713"/>
             <a:ext cx="9589610" cy="498598"/>
           </a:xfrm>
@@ -36768,7 +36102,7 @@
 </p:sld>
 </file>
 
-<file path=ppt/slides/slide57.xml><?xml version="1.0" encoding="utf-8"?>
+<file path=ppt/slides/slide55.xml><?xml version="1.0" encoding="utf-8"?>
 <p:sld xmlns:a="http://schemas.openxmlformats.org/drawingml/2006/main" xmlns:r="http://schemas.openxmlformats.org/officeDocument/2006/relationships" xmlns:p="http://schemas.openxmlformats.org/presentationml/2006/main">
   <p:cSld>
     <p:spTree>
@@ -36907,7 +36241,7 @@
 </p:sld>
 </file>
 
-<file path=ppt/slides/slide58.xml><?xml version="1.0" encoding="utf-8"?>
+<file path=ppt/slides/slide56.xml><?xml version="1.0" encoding="utf-8"?>
 <p:sld xmlns:a="http://schemas.openxmlformats.org/drawingml/2006/main" xmlns:r="http://schemas.openxmlformats.org/officeDocument/2006/relationships" xmlns:p="http://schemas.openxmlformats.org/presentationml/2006/main">
   <p:cSld>
     <p:spTree>
@@ -38818,15 +38152,6 @@
 </file>
 
 <file path=customXml/item1.xml><?xml version="1.0" encoding="utf-8"?>
-<?mso-contentType ?>
-<FormTemplates xmlns="http://schemas.microsoft.com/sharepoint/v3/contenttype/forms">
-  <Display>DocumentLibraryForm</Display>
-  <Edit>DocumentLibraryForm</Edit>
-  <New>DocumentLibraryForm</New>
-</FormTemplates>
-</file>
-
-<file path=customXml/item2.xml><?xml version="1.0" encoding="utf-8"?>
 <ct:contentTypeSchema xmlns:ct="http://schemas.microsoft.com/office/2006/metadata/contentType" xmlns:ma="http://schemas.microsoft.com/office/2006/metadata/properties/metaAttributes" ct:_="" ma:_="" ma:contentTypeName="Document" ma:contentTypeID="0x0101004F7172073BA7E54EAAA667A5349509A2" ma:contentTypeVersion="2" ma:contentTypeDescription="Create a new document." ma:contentTypeScope="" ma:versionID="cb688cedb9a5131eb37376e5d067ca7a">
   <xsd:schema xmlns:xsd="http://www.w3.org/2001/XMLSchema" xmlns:xs="http://www.w3.org/2001/XMLSchema" xmlns:p="http://schemas.microsoft.com/office/2006/metadata/properties" xmlns:ns2="12416225-1957-458a-9a8a-9e86497ceaa0" targetNamespace="http://schemas.microsoft.com/office/2006/metadata/properties" ma:root="true" ma:fieldsID="efedb88ba1c3b100664bc0c99e3c2e14" ns2:_="">
     <xsd:import namespace="12416225-1957-458a-9a8a-9e86497ceaa0"/>
@@ -38958,6 +38283,15 @@
 </ct:contentTypeSchema>
 </file>
 
+<file path=customXml/item2.xml><?xml version="1.0" encoding="utf-8"?>
+<?mso-contentType ?>
+<FormTemplates xmlns="http://schemas.microsoft.com/sharepoint/v3/contenttype/forms">
+  <Display>DocumentLibraryForm</Display>
+  <Edit>DocumentLibraryForm</Edit>
+  <New>DocumentLibraryForm</New>
+</FormTemplates>
+</file>
+
 <file path=customXml/item3.xml><?xml version="1.0" encoding="utf-8"?>
 <p:properties xmlns:p="http://schemas.microsoft.com/office/2006/metadata/properties" xmlns:xsi="http://www.w3.org/2001/XMLSchema-instance" xmlns:pc="http://schemas.microsoft.com/office/infopath/2007/PartnerControls">
   <documentManagement/>
@@ -38965,14 +38299,6 @@
 </file>
 
 <file path=customXml/itemProps1.xml><?xml version="1.0" encoding="utf-8"?>
-<ds:datastoreItem xmlns:ds="http://schemas.openxmlformats.org/officeDocument/2006/customXml" ds:itemID="{758FDAC0-319D-4A54-8D8E-1D42CB1F8004}">
-  <ds:schemaRefs>
-    <ds:schemaRef ds:uri="http://schemas.microsoft.com/sharepoint/v3/contenttype/forms"/>
-  </ds:schemaRefs>
-</ds:datastoreItem>
-</file>
-
-<file path=customXml/itemProps2.xml><?xml version="1.0" encoding="utf-8"?>
 <ds:datastoreItem xmlns:ds="http://schemas.openxmlformats.org/officeDocument/2006/customXml" ds:itemID="{AB1E8771-DA0D-43D6-AFBE-0A5DE32AF767}">
   <ds:schemaRefs>
     <ds:schemaRef ds:uri="http://schemas.microsoft.com/office/2006/metadata/contentType"/>
@@ -38990,6 +38316,14 @@
 </ds:datastoreItem>
 </file>
 
+<file path=customXml/itemProps2.xml><?xml version="1.0" encoding="utf-8"?>
+<ds:datastoreItem xmlns:ds="http://schemas.openxmlformats.org/officeDocument/2006/customXml" ds:itemID="{758FDAC0-319D-4A54-8D8E-1D42CB1F8004}">
+  <ds:schemaRefs>
+    <ds:schemaRef ds:uri="http://schemas.microsoft.com/sharepoint/v3/contenttype/forms"/>
+  </ds:schemaRefs>
+</ds:datastoreItem>
+</file>
+
 <file path=customXml/itemProps3.xml><?xml version="1.0" encoding="utf-8"?>
 <ds:datastoreItem xmlns:ds="http://schemas.openxmlformats.org/officeDocument/2006/customXml" ds:itemID="{F990F116-B58F-4255-B05B-DA3808E0E5C6}">
   <ds:schemaRefs>
